--- a/docker/aws/docker_aws.pptx
+++ b/docker/aws/docker_aws.pptx
@@ -19489,36 +19489,6 @@
           </a:p>
         </p:txBody>
       </p:sp>
-      <p:pic>
-        <p:nvPicPr>
-          <p:cNvPr id="12" name="Picture 11">
-            <a:extLst>
-              <a:ext uri="{FF2B5EF4-FFF2-40B4-BE49-F238E27FC236}">
-                <a16:creationId xmlns:a16="http://schemas.microsoft.com/office/drawing/2014/main" id="{598208E4-D15C-4A5E-B558-A8F5421BEC13}"/>
-              </a:ext>
-            </a:extLst>
-          </p:cNvPr>
-          <p:cNvPicPr>
-            <a:picLocks noChangeAspect="1"/>
-          </p:cNvPicPr>
-          <p:nvPr/>
-        </p:nvPicPr>
-        <p:blipFill>
-          <a:blip r:embed="rId4"/>
-          <a:stretch>
-            <a:fillRect/>
-          </a:stretch>
-        </p:blipFill>
-        <p:spPr>
-          <a:xfrm>
-            <a:off x="1737452" y="0"/>
-            <a:ext cx="8717096" cy="6858000"/>
-          </a:xfrm>
-          <a:prstGeom prst="rect">
-            <a:avLst/>
-          </a:prstGeom>
-        </p:spPr>
-      </p:pic>
     </p:spTree>
     <p:extLst>
       <p:ext uri="{BB962C8B-B14F-4D97-AF65-F5344CB8AC3E}">

--- a/docker/aws/docker_aws.pptx
+++ b/docker/aws/docker_aws.pptx
@@ -215,7 +215,7 @@
           <a:p>
             <a:fld id="{013D7D23-95FE-4191-B08D-3CBB1E1CEEFE}" type="datetimeFigureOut">
               <a:rPr lang="pt-PT" smtClean="0"/>
-              <a:t>26/01/2024</a:t>
+              <a:t>29/01/2024</a:t>
             </a:fld>
             <a:endParaRPr lang="pt-PT" dirty="0"/>
           </a:p>
@@ -614,7 +614,7 @@
           <a:p>
             <a:fld id="{5C0ED97C-8255-4BAC-9D42-1F6A6651E287}" type="datetime1">
               <a:rPr lang="pt-PT" smtClean="0"/>
-              <a:t>26/01/2024</a:t>
+              <a:t>29/01/2024</a:t>
             </a:fld>
             <a:endParaRPr lang="pt-PT" dirty="0"/>
           </a:p>
@@ -784,7 +784,7 @@
           <a:p>
             <a:fld id="{4FCC8996-E467-4FE1-B165-4002860D0AC7}" type="datetime1">
               <a:rPr lang="pt-PT" smtClean="0"/>
-              <a:t>26/01/2024</a:t>
+              <a:t>29/01/2024</a:t>
             </a:fld>
             <a:endParaRPr lang="pt-PT" dirty="0"/>
           </a:p>
@@ -964,7 +964,7 @@
           <a:p>
             <a:fld id="{C104532E-E792-4BF5-B399-9E5E16070233}" type="datetime1">
               <a:rPr lang="pt-PT" smtClean="0"/>
-              <a:t>26/01/2024</a:t>
+              <a:t>29/01/2024</a:t>
             </a:fld>
             <a:endParaRPr lang="pt-PT" dirty="0"/>
           </a:p>
@@ -1174,7 +1174,7 @@
           <a:p>
             <a:fld id="{FF4AF87E-A15D-4480-B791-15D75F8AF848}" type="datetimeFigureOut">
               <a:rPr lang="pt-PT" smtClean="0"/>
-              <a:t>26/01/2024</a:t>
+              <a:t>29/01/2024</a:t>
             </a:fld>
             <a:endParaRPr lang="pt-PT"/>
           </a:p>
@@ -1374,7 +1374,7 @@
           <a:p>
             <a:fld id="{FF4AF87E-A15D-4480-B791-15D75F8AF848}" type="datetimeFigureOut">
               <a:rPr lang="pt-PT" smtClean="0"/>
-              <a:t>26/01/2024</a:t>
+              <a:t>29/01/2024</a:t>
             </a:fld>
             <a:endParaRPr lang="pt-PT"/>
           </a:p>
@@ -1650,7 +1650,7 @@
           <a:p>
             <a:fld id="{FF4AF87E-A15D-4480-B791-15D75F8AF848}" type="datetimeFigureOut">
               <a:rPr lang="pt-PT" smtClean="0"/>
-              <a:t>26/01/2024</a:t>
+              <a:t>29/01/2024</a:t>
             </a:fld>
             <a:endParaRPr lang="pt-PT"/>
           </a:p>
@@ -1918,7 +1918,7 @@
           <a:p>
             <a:fld id="{FF4AF87E-A15D-4480-B791-15D75F8AF848}" type="datetimeFigureOut">
               <a:rPr lang="pt-PT" smtClean="0"/>
-              <a:t>26/01/2024</a:t>
+              <a:t>29/01/2024</a:t>
             </a:fld>
             <a:endParaRPr lang="pt-PT"/>
           </a:p>
@@ -2333,7 +2333,7 @@
           <a:p>
             <a:fld id="{FF4AF87E-A15D-4480-B791-15D75F8AF848}" type="datetimeFigureOut">
               <a:rPr lang="pt-PT" smtClean="0"/>
-              <a:t>26/01/2024</a:t>
+              <a:t>29/01/2024</a:t>
             </a:fld>
             <a:endParaRPr lang="pt-PT"/>
           </a:p>
@@ -2475,7 +2475,7 @@
           <a:p>
             <a:fld id="{FF4AF87E-A15D-4480-B791-15D75F8AF848}" type="datetimeFigureOut">
               <a:rPr lang="pt-PT" smtClean="0"/>
-              <a:t>26/01/2024</a:t>
+              <a:t>29/01/2024</a:t>
             </a:fld>
             <a:endParaRPr lang="pt-PT"/>
           </a:p>
@@ -2588,7 +2588,7 @@
           <a:p>
             <a:fld id="{FF4AF87E-A15D-4480-B791-15D75F8AF848}" type="datetimeFigureOut">
               <a:rPr lang="pt-PT" smtClean="0"/>
-              <a:t>26/01/2024</a:t>
+              <a:t>29/01/2024</a:t>
             </a:fld>
             <a:endParaRPr lang="pt-PT"/>
           </a:p>
@@ -2901,7 +2901,7 @@
           <a:p>
             <a:fld id="{FF4AF87E-A15D-4480-B791-15D75F8AF848}" type="datetimeFigureOut">
               <a:rPr lang="pt-PT" smtClean="0"/>
-              <a:t>26/01/2024</a:t>
+              <a:t>29/01/2024</a:t>
             </a:fld>
             <a:endParaRPr lang="pt-PT"/>
           </a:p>
@@ -3083,7 +3083,7 @@
           <a:p>
             <a:fld id="{5FC36660-F7C2-4C37-BD61-E2E985519A54}" type="datetime1">
               <a:rPr lang="pt-PT" smtClean="0"/>
-              <a:t>26/01/2024</a:t>
+              <a:t>29/01/2024</a:t>
             </a:fld>
             <a:endParaRPr lang="pt-PT" dirty="0"/>
           </a:p>
@@ -3360,7 +3360,7 @@
           <a:p>
             <a:fld id="{FF4AF87E-A15D-4480-B791-15D75F8AF848}" type="datetimeFigureOut">
               <a:rPr lang="pt-PT" smtClean="0"/>
-              <a:t>26/01/2024</a:t>
+              <a:t>29/01/2024</a:t>
             </a:fld>
             <a:endParaRPr lang="pt-PT"/>
           </a:p>
@@ -3560,7 +3560,7 @@
           <a:p>
             <a:fld id="{FF4AF87E-A15D-4480-B791-15D75F8AF848}" type="datetimeFigureOut">
               <a:rPr lang="pt-PT" smtClean="0"/>
-              <a:t>26/01/2024</a:t>
+              <a:t>29/01/2024</a:t>
             </a:fld>
             <a:endParaRPr lang="pt-PT"/>
           </a:p>
@@ -3770,7 +3770,7 @@
           <a:p>
             <a:fld id="{FF4AF87E-A15D-4480-B791-15D75F8AF848}" type="datetimeFigureOut">
               <a:rPr lang="pt-PT" smtClean="0"/>
-              <a:t>26/01/2024</a:t>
+              <a:t>29/01/2024</a:t>
             </a:fld>
             <a:endParaRPr lang="pt-PT"/>
           </a:p>
@@ -4028,7 +4028,7 @@
           <a:p>
             <a:fld id="{EC1C553A-1723-4842-A3DB-E76BD21F5C6D}" type="datetime1">
               <a:rPr lang="pt-PT" smtClean="0"/>
-              <a:t>26/01/2024</a:t>
+              <a:t>29/01/2024</a:t>
             </a:fld>
             <a:endParaRPr lang="pt-PT" dirty="0"/>
           </a:p>
@@ -4260,7 +4260,7 @@
           <a:p>
             <a:fld id="{CE9B351E-3840-4886-B007-BC84D7C14686}" type="datetime1">
               <a:rPr lang="pt-PT" smtClean="0"/>
-              <a:t>26/01/2024</a:t>
+              <a:t>29/01/2024</a:t>
             </a:fld>
             <a:endParaRPr lang="pt-PT" dirty="0"/>
           </a:p>
@@ -4627,7 +4627,7 @@
           <a:p>
             <a:fld id="{C8686839-F4ED-436E-9AC9-AC7A0A0CD179}" type="datetime1">
               <a:rPr lang="pt-PT" smtClean="0"/>
-              <a:t>26/01/2024</a:t>
+              <a:t>29/01/2024</a:t>
             </a:fld>
             <a:endParaRPr lang="pt-PT" dirty="0"/>
           </a:p>
@@ -4745,7 +4745,7 @@
           <a:p>
             <a:fld id="{2AB82247-1A7C-4F98-8F33-5E4D07EFBF12}" type="datetime1">
               <a:rPr lang="pt-PT" smtClean="0"/>
-              <a:t>26/01/2024</a:t>
+              <a:t>29/01/2024</a:t>
             </a:fld>
             <a:endParaRPr lang="pt-PT" dirty="0"/>
           </a:p>
@@ -4840,7 +4840,7 @@
           <a:p>
             <a:fld id="{AFE320DE-3391-4A27-9653-F2BD505B9A08}" type="datetime1">
               <a:rPr lang="pt-PT" smtClean="0"/>
-              <a:t>26/01/2024</a:t>
+              <a:t>29/01/2024</a:t>
             </a:fld>
             <a:endParaRPr lang="pt-PT" dirty="0"/>
           </a:p>
@@ -5117,7 +5117,7 @@
           <a:p>
             <a:fld id="{E69250C8-88B2-4209-BD56-05813AC521DC}" type="datetime1">
               <a:rPr lang="pt-PT" smtClean="0"/>
-              <a:t>26/01/2024</a:t>
+              <a:t>29/01/2024</a:t>
             </a:fld>
             <a:endParaRPr lang="pt-PT" dirty="0"/>
           </a:p>
@@ -5370,7 +5370,7 @@
           <a:p>
             <a:fld id="{0B847055-2F12-42A4-9432-334276564B1D}" type="datetime1">
               <a:rPr lang="pt-PT" smtClean="0"/>
-              <a:t>26/01/2024</a:t>
+              <a:t>29/01/2024</a:t>
             </a:fld>
             <a:endParaRPr lang="pt-PT" dirty="0"/>
           </a:p>
@@ -5583,7 +5583,7 @@
           <a:p>
             <a:fld id="{B0883CD8-EC5B-4369-8F97-BE1E84F10887}" type="datetime1">
               <a:rPr lang="pt-PT" smtClean="0"/>
-              <a:t>26/01/2024</a:t>
+              <a:t>29/01/2024</a:t>
             </a:fld>
             <a:endParaRPr lang="pt-PT" dirty="0"/>
           </a:p>
@@ -6142,7 +6142,7 @@
           <a:p>
             <a:fld id="{FF4AF87E-A15D-4480-B791-15D75F8AF848}" type="datetimeFigureOut">
               <a:rPr lang="pt-PT" smtClean="0"/>
-              <a:t>26/01/2024</a:t>
+              <a:t>29/01/2024</a:t>
             </a:fld>
             <a:endParaRPr lang="pt-PT"/>
           </a:p>
@@ -8715,6 +8715,86 @@
           </a:p>
         </p:txBody>
       </p:sp>
+      <p:sp>
+        <p:nvSpPr>
+          <p:cNvPr id="19" name="Speech Bubble: Rectangle 18">
+            <a:extLst>
+              <a:ext uri="{FF2B5EF4-FFF2-40B4-BE49-F238E27FC236}">
+                <a16:creationId xmlns:a16="http://schemas.microsoft.com/office/drawing/2014/main" id="{CE3F88A8-58B8-4669-9F19-45B36AAA4DF2}"/>
+              </a:ext>
+            </a:extLst>
+          </p:cNvPr>
+          <p:cNvSpPr/>
+          <p:nvPr/>
+        </p:nvSpPr>
+        <p:spPr>
+          <a:xfrm>
+            <a:off x="3397373" y="4871883"/>
+            <a:ext cx="3182529" cy="257369"/>
+          </a:xfrm>
+          <a:prstGeom prst="wedgeRectCallout">
+            <a:avLst>
+              <a:gd name="adj1" fmla="val -56502"/>
+              <a:gd name="adj2" fmla="val -16275"/>
+            </a:avLst>
+          </a:prstGeom>
+          <a:solidFill>
+            <a:sysClr val="windowText" lastClr="000000"/>
+          </a:solidFill>
+          <a:ln>
+            <a:solidFill>
+              <a:srgbClr val="5B9BD5"/>
+            </a:solidFill>
+          </a:ln>
+          <a:effectLst>
+            <a:outerShdw blurRad="50800" dist="63500" dir="2700000" algn="tl" rotWithShape="0">
+              <a:sysClr val="window" lastClr="FFFFFF">
+                <a:alpha val="40000"/>
+              </a:sysClr>
+            </a:outerShdw>
+          </a:effectLst>
+        </p:spPr>
+        <p:txBody>
+          <a:bodyPr wrap="none" lIns="36000" tIns="36000" rIns="36000" bIns="36000" rtlCol="0">
+            <a:spAutoFit/>
+          </a:bodyPr>
+          <a:lstStyle/>
+          <a:p>
+            <a:pPr marL="228592" marR="0" lvl="0" indent="-228592" defTabSz="914369" eaLnBrk="1" fontAlgn="auto" latinLnBrk="0" hangingPunct="1">
+              <a:lnSpc>
+                <a:spcPct val="100000"/>
+              </a:lnSpc>
+              <a:spcBef>
+                <a:spcPts val="0"/>
+              </a:spcBef>
+              <a:spcAft>
+                <a:spcPts val="0"/>
+              </a:spcAft>
+              <a:buClrTx/>
+              <a:buSzTx/>
+              <a:buFont typeface="Arial" panose="020B0604020202020204" pitchFamily="34" charset="0"/>
+              <a:buChar char="•"/>
+              <a:tabLst/>
+              <a:defRPr/>
+            </a:pPr>
+            <a:r>
+              <a:rPr kumimoji="0" lang="en-US" sz="1200" b="0" i="0" u="none" strike="noStrike" kern="0" cap="none" spc="0" normalizeH="0" baseline="0" noProof="0" dirty="0">
+                <a:ln>
+                  <a:noFill/>
+                </a:ln>
+                <a:solidFill>
+                  <a:prstClr val="white"/>
+                </a:solidFill>
+                <a:effectLst/>
+                <a:uLnTx/>
+                <a:uFillTx/>
+                <a:latin typeface="Calibri Light" panose="020F0302020204030204"/>
+              </a:rPr>
+              <a:t>I have to write the command (can´t copy/past)</a:t>
+            </a:r>
+          </a:p>
+        </p:txBody>
+      </p:sp>
     </p:spTree>
     <p:extLst>
       <p:ext uri="{BB962C8B-B14F-4D97-AF65-F5344CB8AC3E}">
@@ -10356,7 +10436,7 @@
         <p:spPr>
           <a:xfrm>
             <a:off x="1454492" y="787364"/>
-            <a:ext cx="3301151" cy="257369"/>
+            <a:ext cx="3810906" cy="257369"/>
           </a:xfrm>
           <a:prstGeom prst="wedgeRectCallout">
             <a:avLst>
@@ -10396,7 +10476,7 @@
                 </a:solidFill>
                 <a:latin typeface="Consolas" panose="020B0609020204030204" pitchFamily="49" charset="0"/>
               </a:rPr>
-              <a:t>docker build -t my_webservice:latest .</a:t>
+              <a:t>sudo docker build -t key_value_pair:latest .</a:t>
             </a:r>
             <a:endParaRPr kumimoji="0" lang="en-US" sz="1200" b="0" i="0" u="none" strike="noStrike" kern="0" cap="none" spc="0" normalizeH="0" baseline="0" noProof="1">
               <a:ln>
@@ -10866,7 +10946,7 @@
         <p:spPr>
           <a:xfrm>
             <a:off x="1454492" y="787364"/>
-            <a:ext cx="3301151" cy="257369"/>
+            <a:ext cx="3895866" cy="257369"/>
           </a:xfrm>
           <a:prstGeom prst="wedgeRectCallout">
             <a:avLst>
@@ -10906,7 +10986,7 @@
                 </a:solidFill>
                 <a:latin typeface="Consolas" panose="020B0609020204030204" pitchFamily="49" charset="0"/>
               </a:rPr>
-              <a:t>docker run -d -p 80:5000 my_webservice</a:t>
+              <a:t>sudo docker run -d -p 80:5000 key_value_pair</a:t>
             </a:r>
             <a:endParaRPr kumimoji="0" lang="en-US" sz="1200" b="0" i="0" u="none" strike="noStrike" kern="0" cap="none" spc="0" normalizeH="0" baseline="0" noProof="1">
               <a:ln>
